--- a/Cấu hình Mail thông báo đơn hàng, trang liên hệ.pptx
+++ b/Cấu hình Mail thông báo đơn hàng, trang liên hệ.pptx
@@ -295,7 +295,7 @@
           <a:p>
             <a:fld id="{4C6F0748-1381-4B42-9D0A-07F66729CA70}" type="datetimeFigureOut">
               <a:rPr lang="en-US" smtClean="0"/>
-              <a:t>19/12/2024</a:t>
+              <a:t>20/12/2024</a:t>
             </a:fld>
             <a:endParaRPr lang="en-US"/>
           </a:p>
@@ -493,7 +493,7 @@
           <a:p>
             <a:fld id="{4C6F0748-1381-4B42-9D0A-07F66729CA70}" type="datetimeFigureOut">
               <a:rPr lang="en-US" smtClean="0"/>
-              <a:t>19/12/2024</a:t>
+              <a:t>20/12/2024</a:t>
             </a:fld>
             <a:endParaRPr lang="en-US"/>
           </a:p>
@@ -701,7 +701,7 @@
           <a:p>
             <a:fld id="{4C6F0748-1381-4B42-9D0A-07F66729CA70}" type="datetimeFigureOut">
               <a:rPr lang="en-US" smtClean="0"/>
-              <a:t>19/12/2024</a:t>
+              <a:t>20/12/2024</a:t>
             </a:fld>
             <a:endParaRPr lang="en-US"/>
           </a:p>
@@ -899,7 +899,7 @@
           <a:p>
             <a:fld id="{4C6F0748-1381-4B42-9D0A-07F66729CA70}" type="datetimeFigureOut">
               <a:rPr lang="en-US" smtClean="0"/>
-              <a:t>19/12/2024</a:t>
+              <a:t>20/12/2024</a:t>
             </a:fld>
             <a:endParaRPr lang="en-US"/>
           </a:p>
@@ -1174,7 +1174,7 @@
           <a:p>
             <a:fld id="{4C6F0748-1381-4B42-9D0A-07F66729CA70}" type="datetimeFigureOut">
               <a:rPr lang="en-US" smtClean="0"/>
-              <a:t>19/12/2024</a:t>
+              <a:t>20/12/2024</a:t>
             </a:fld>
             <a:endParaRPr lang="en-US"/>
           </a:p>
@@ -1439,7 +1439,7 @@
           <a:p>
             <a:fld id="{4C6F0748-1381-4B42-9D0A-07F66729CA70}" type="datetimeFigureOut">
               <a:rPr lang="en-US" smtClean="0"/>
-              <a:t>19/12/2024</a:t>
+              <a:t>20/12/2024</a:t>
             </a:fld>
             <a:endParaRPr lang="en-US"/>
           </a:p>
@@ -1851,7 +1851,7 @@
           <a:p>
             <a:fld id="{4C6F0748-1381-4B42-9D0A-07F66729CA70}" type="datetimeFigureOut">
               <a:rPr lang="en-US" smtClean="0"/>
-              <a:t>19/12/2024</a:t>
+              <a:t>20/12/2024</a:t>
             </a:fld>
             <a:endParaRPr lang="en-US"/>
           </a:p>
@@ -1992,7 +1992,7 @@
           <a:p>
             <a:fld id="{4C6F0748-1381-4B42-9D0A-07F66729CA70}" type="datetimeFigureOut">
               <a:rPr lang="en-US" smtClean="0"/>
-              <a:t>19/12/2024</a:t>
+              <a:t>20/12/2024</a:t>
             </a:fld>
             <a:endParaRPr lang="en-US"/>
           </a:p>
@@ -2105,7 +2105,7 @@
           <a:p>
             <a:fld id="{4C6F0748-1381-4B42-9D0A-07F66729CA70}" type="datetimeFigureOut">
               <a:rPr lang="en-US" smtClean="0"/>
-              <a:t>19/12/2024</a:t>
+              <a:t>20/12/2024</a:t>
             </a:fld>
             <a:endParaRPr lang="en-US"/>
           </a:p>
@@ -2416,7 +2416,7 @@
           <a:p>
             <a:fld id="{4C6F0748-1381-4B42-9D0A-07F66729CA70}" type="datetimeFigureOut">
               <a:rPr lang="en-US" smtClean="0"/>
-              <a:t>19/12/2024</a:t>
+              <a:t>20/12/2024</a:t>
             </a:fld>
             <a:endParaRPr lang="en-US"/>
           </a:p>
@@ -2704,7 +2704,7 @@
           <a:p>
             <a:fld id="{4C6F0748-1381-4B42-9D0A-07F66729CA70}" type="datetimeFigureOut">
               <a:rPr lang="en-US" smtClean="0"/>
-              <a:t>19/12/2024</a:t>
+              <a:t>20/12/2024</a:t>
             </a:fld>
             <a:endParaRPr lang="en-US"/>
           </a:p>
@@ -2945,7 +2945,7 @@
           <a:p>
             <a:fld id="{4C6F0748-1381-4B42-9D0A-07F66729CA70}" type="datetimeFigureOut">
               <a:rPr lang="en-US" smtClean="0"/>
-              <a:t>19/12/2024</a:t>
+              <a:t>20/12/2024</a:t>
             </a:fld>
             <a:endParaRPr lang="en-US"/>
           </a:p>
@@ -4532,8 +4532,8 @@
         </p:nvSpPr>
         <p:spPr>
           <a:xfrm>
-            <a:off x="0" y="0"/>
-            <a:ext cx="12192000" cy="1180730"/>
+            <a:off x="50307" y="155323"/>
+            <a:ext cx="12091386" cy="1180730"/>
           </a:xfrm>
         </p:spPr>
         <p:txBody>
@@ -4573,7 +4573,7 @@
         </p:blipFill>
         <p:spPr>
           <a:xfrm>
-            <a:off x="221944" y="1411550"/>
+            <a:off x="257455" y="1828800"/>
             <a:ext cx="11079121" cy="3715268"/>
           </a:xfrm>
           <a:prstGeom prst="rect">
@@ -6235,7 +6235,7 @@
         </p:blipFill>
         <p:spPr>
           <a:xfrm>
-            <a:off x="398734" y="0"/>
+            <a:off x="559294" y="701335"/>
             <a:ext cx="7857499" cy="5060909"/>
           </a:xfrm>
           <a:prstGeom prst="rect">
@@ -6257,7 +6257,7 @@
         </p:nvSpPr>
         <p:spPr>
           <a:xfrm>
-            <a:off x="470517" y="5299969"/>
+            <a:off x="470517" y="6063449"/>
             <a:ext cx="7785717" cy="369332"/>
           </a:xfrm>
           <a:prstGeom prst="rect">
@@ -6394,13 +6394,16 @@
               </a:ext>
             </a:extLst>
           </p:cNvPr>
-          <p:cNvCxnSpPr/>
+          <p:cNvCxnSpPr>
+            <a:cxnSpLocks/>
+            <a:endCxn id="2" idx="1"/>
+          </p:cNvCxnSpPr>
           <p:nvPr/>
         </p:nvCxnSpPr>
         <p:spPr>
           <a:xfrm flipV="1">
-            <a:off x="4572000" y="994299"/>
-            <a:ext cx="1340528" cy="443884"/>
+            <a:off x="4572000" y="788348"/>
+            <a:ext cx="1420427" cy="649836"/>
           </a:xfrm>
           <a:prstGeom prst="straightConnector1">
             <a:avLst/>
@@ -6478,7 +6481,7 @@
         </p:blipFill>
         <p:spPr>
           <a:xfrm>
-            <a:off x="580383" y="3604513"/>
+            <a:off x="509362" y="4172684"/>
             <a:ext cx="6068992" cy="2292748"/>
           </a:xfrm>
           <a:prstGeom prst="rect">
@@ -6502,8 +6505,8 @@
         </p:nvCxnSpPr>
         <p:spPr>
           <a:xfrm flipV="1">
-            <a:off x="5992427" y="3757198"/>
-            <a:ext cx="1358284" cy="1769152"/>
+            <a:off x="5734975" y="3879542"/>
+            <a:ext cx="1806605" cy="2121763"/>
           </a:xfrm>
           <a:prstGeom prst="straightConnector1">
             <a:avLst/>
@@ -6558,6 +6561,41 @@
             <a:r>
               <a:rPr lang="en-US"/>
               <a:t>Kích vào phần mật khẩu ứng dụng.</a:t>
+            </a:r>
+          </a:p>
+        </p:txBody>
+      </p:sp>
+      <p:sp>
+        <p:nvSpPr>
+          <p:cNvPr id="2" name="TextBox 1">
+            <a:extLst>
+              <a:ext uri="{FF2B5EF4-FFF2-40B4-BE49-F238E27FC236}">
+                <a16:creationId xmlns:a16="http://schemas.microsoft.com/office/drawing/2014/main" id="{0626A2BE-80A3-4BAE-8708-5A79370497B7}"/>
+              </a:ext>
+            </a:extLst>
+          </p:cNvPr>
+          <p:cNvSpPr txBox="1"/>
+          <p:nvPr/>
+        </p:nvSpPr>
+        <p:spPr>
+          <a:xfrm>
+            <a:off x="5992427" y="603682"/>
+            <a:ext cx="3098307" cy="369332"/>
+          </a:xfrm>
+          <a:prstGeom prst="rect">
+            <a:avLst/>
+          </a:prstGeom>
+          <a:noFill/>
+        </p:spPr>
+        <p:txBody>
+          <a:bodyPr wrap="square" rtlCol="0">
+            <a:spAutoFit/>
+          </a:bodyPr>
+          <a:lstStyle/>
+          <a:p>
+            <a:r>
+              <a:rPr lang="en-US"/>
+              <a:t>Nơi nhập Password. </a:t>
             </a:r>
           </a:p>
         </p:txBody>
@@ -8233,8 +8271,8 @@
         </p:nvCxnSpPr>
         <p:spPr>
           <a:xfrm flipV="1">
-            <a:off x="2468880" y="615624"/>
-            <a:ext cx="3328504" cy="571231"/>
+            <a:off x="2468880" y="372814"/>
+            <a:ext cx="3407782" cy="897147"/>
           </a:xfrm>
           <a:prstGeom prst="straightConnector1">
             <a:avLst/>
@@ -8272,7 +8310,7 @@
         </p:nvSpPr>
         <p:spPr>
           <a:xfrm>
-            <a:off x="5797384" y="292458"/>
+            <a:off x="5876662" y="49648"/>
             <a:ext cx="5614328" cy="646331"/>
           </a:xfrm>
           <a:prstGeom prst="rect">
@@ -8309,9 +8347,9 @@
           <p:nvPr/>
         </p:nvCxnSpPr>
         <p:spPr>
-          <a:xfrm flipV="1">
-            <a:off x="3000652" y="1871423"/>
-            <a:ext cx="2929631" cy="188196"/>
+          <a:xfrm>
+            <a:off x="2752344" y="2068497"/>
+            <a:ext cx="2950347" cy="1545169"/>
           </a:xfrm>
           <a:prstGeom prst="straightConnector1">
             <a:avLst/>
@@ -8349,7 +8387,7 @@
         </p:nvSpPr>
         <p:spPr>
           <a:xfrm>
-            <a:off x="5930283" y="1686757"/>
+            <a:off x="5702691" y="3429000"/>
             <a:ext cx="5042517" cy="369332"/>
           </a:xfrm>
           <a:prstGeom prst="rect">
@@ -8384,7 +8422,7 @@
         </p:nvSpPr>
         <p:spPr>
           <a:xfrm>
-            <a:off x="5708342" y="2574524"/>
+            <a:off x="5619994" y="3897297"/>
             <a:ext cx="6165274" cy="369332"/>
           </a:xfrm>
           <a:prstGeom prst="rect">
@@ -8519,13 +8557,14 @@
           <p:cNvCxnSpPr>
             <a:cxnSpLocks/>
             <a:stCxn id="3" idx="3"/>
+            <a:endCxn id="10" idx="1"/>
           </p:cNvCxnSpPr>
           <p:nvPr/>
         </p:nvCxnSpPr>
         <p:spPr>
-          <a:xfrm flipV="1">
-            <a:off x="2752344" y="1371602"/>
-            <a:ext cx="3131479" cy="278890"/>
+          <a:xfrm>
+            <a:off x="2752344" y="1650492"/>
+            <a:ext cx="2950347" cy="1373968"/>
           </a:xfrm>
           <a:prstGeom prst="straightConnector1">
             <a:avLst/>
@@ -8563,7 +8602,7 @@
         </p:nvSpPr>
         <p:spPr>
           <a:xfrm>
-            <a:off x="5929543" y="1045800"/>
+            <a:off x="5702691" y="2736818"/>
             <a:ext cx="5546177" cy="575283"/>
           </a:xfrm>
           <a:prstGeom prst="rect">
@@ -8594,6 +8633,41 @@
             <a:r>
               <a:rPr lang="en-US"/>
               <a:t>Mail sẽ gửi thông tin Form đi</a:t>
+            </a:r>
+          </a:p>
+        </p:txBody>
+      </p:sp>
+      <p:sp>
+        <p:nvSpPr>
+          <p:cNvPr id="17" name="TextBox 16">
+            <a:extLst>
+              <a:ext uri="{FF2B5EF4-FFF2-40B4-BE49-F238E27FC236}">
+                <a16:creationId xmlns:a16="http://schemas.microsoft.com/office/drawing/2014/main" id="{4F50A6F3-328D-48DF-8B00-BAD533B67B52}"/>
+              </a:ext>
+            </a:extLst>
+          </p:cNvPr>
+          <p:cNvSpPr txBox="1"/>
+          <p:nvPr/>
+        </p:nvSpPr>
+        <p:spPr>
+          <a:xfrm>
+            <a:off x="5929543" y="695979"/>
+            <a:ext cx="5944073" cy="369332"/>
+          </a:xfrm>
+          <a:prstGeom prst="rect">
+            <a:avLst/>
+          </a:prstGeom>
+          <a:noFill/>
+        </p:spPr>
+        <p:txBody>
+          <a:bodyPr wrap="square" rtlCol="0">
+            <a:spAutoFit/>
+          </a:bodyPr>
+          <a:lstStyle/>
+          <a:p>
+            <a:r>
+              <a:rPr lang="en-US"/>
+              <a:t>Cài mail của phòng kinh doanh vào.</a:t>
             </a:r>
           </a:p>
         </p:txBody>
